--- a/プログラミングスタートアップ.pptx
+++ b/プログラミングスタートアップ.pptx
@@ -2300,7 +2300,7 @@
             </a:r>
             <a:r>
               <a:rPr lang="ja-JP" altLang="en-US" sz="1800" dirty="0"/>
-              <a:t>作成中</a:t>
+              <a:t>作成する？</a:t>
             </a:r>
             <a:endParaRPr lang="en-US" altLang="ja-JP" sz="1800" dirty="0"/>
           </a:p>
@@ -2362,10 +2362,10 @@
               <a:t> </a:t>
             </a:r>
             <a:r>
-              <a:rPr lang="ja-JP" altLang="en-US" sz="1600" dirty="0">
+              <a:rPr lang="ja-JP" altLang="en-US" sz="1600">
                 <a:sym typeface="Wingdings" panose="05000000000000000000" pitchFamily="2" charset="2"/>
               </a:rPr>
-              <a:t>作成中</a:t>
+              <a:t>作成する？</a:t>
             </a:r>
             <a:endParaRPr lang="en-US" altLang="ja-JP" sz="1600" dirty="0">
               <a:sym typeface="Wingdings" panose="05000000000000000000" pitchFamily="2" charset="2"/>

--- a/プログラミングスタートアップ.pptx
+++ b/プログラミングスタートアップ.pptx
@@ -240,7 +240,7 @@
           <a:p>
             <a:fld id="{016100B0-BDD1-42AF-AA75-0D5E4C73D067}" type="datetimeFigureOut">
               <a:rPr kumimoji="1" lang="ja-JP" altLang="en-US" smtClean="0"/>
-              <a:t>2023/12/14</a:t>
+              <a:t>2024/2/14</a:t>
             </a:fld>
             <a:endParaRPr kumimoji="1" lang="ja-JP" altLang="en-US"/>
           </a:p>
@@ -2362,7 +2362,7 @@
               <a:t> </a:t>
             </a:r>
             <a:r>
-              <a:rPr lang="ja-JP" altLang="en-US" sz="1600">
+              <a:rPr lang="ja-JP" altLang="en-US" sz="1600" dirty="0">
                 <a:sym typeface="Wingdings" panose="05000000000000000000" pitchFamily="2" charset="2"/>
               </a:rPr>
               <a:t>作成する？</a:t>
@@ -5205,7 +5205,7 @@
         </p:nvSpPr>
         <p:spPr>
           <a:xfrm>
-            <a:off x="966281" y="2802047"/>
+            <a:off x="1006038" y="2869802"/>
             <a:ext cx="6874213" cy="3970318"/>
           </a:xfrm>
           <a:prstGeom prst="rect">

--- a/プログラミングスタートアップ.pptx
+++ b/プログラミングスタートアップ.pptx
@@ -240,7 +240,7 @@
           <a:p>
             <a:fld id="{016100B0-BDD1-42AF-AA75-0D5E4C73D067}" type="datetimeFigureOut">
               <a:rPr kumimoji="1" lang="ja-JP" altLang="en-US" smtClean="0"/>
-              <a:t>2023/12/14</a:t>
+              <a:t>2024/3/2</a:t>
             </a:fld>
             <a:endParaRPr kumimoji="1" lang="ja-JP" altLang="en-US"/>
           </a:p>
@@ -12694,7 +12694,7 @@
         </p:nvSpPr>
         <p:spPr>
           <a:xfrm>
-            <a:off x="10029216" y="194552"/>
+            <a:off x="10008140" y="216270"/>
             <a:ext cx="1624519" cy="466929"/>
           </a:xfrm>
           <a:prstGeom prst="rect">
